--- a/presentation for INFO20002 project.pptx
+++ b/presentation for INFO20002 project.pptx
@@ -16,7 +16,8 @@
     <p:sldId id="269" r:id="rId10"/>
     <p:sldId id="270" r:id="rId11"/>
     <p:sldId id="271" r:id="rId12"/>
-    <p:sldId id="273" r:id="rId13"/>
+    <p:sldId id="275" r:id="rId13"/>
+    <p:sldId id="273" r:id="rId14"/>
   </p:sldIdLst>
   <p:sldSz cx="12192000" cy="6858000"/>
   <p:notesSz cx="6858000" cy="9144000"/>
@@ -8396,6 +8397,66 @@
 </file>
 
 <file path=ppt/slides/slide12.xml><?xml version="1.0" encoding="utf-8"?>
+<p:sld xmlns:a="http://schemas.openxmlformats.org/drawingml/2006/main" xmlns:r="http://schemas.openxmlformats.org/officeDocument/2006/relationships" xmlns:p="http://schemas.openxmlformats.org/presentationml/2006/main">
+  <p:cSld>
+    <p:spTree>
+      <p:nvGrpSpPr>
+        <p:cNvPr id="1" name=""/>
+        <p:cNvGrpSpPr/>
+        <p:nvPr/>
+      </p:nvGrpSpPr>
+      <p:grpSpPr>
+        <a:xfrm>
+          <a:off x="0" y="0"/>
+          <a:ext cx="0" cy="0"/>
+          <a:chOff x="0" y="0"/>
+          <a:chExt cx="0" cy="0"/>
+        </a:xfrm>
+      </p:grpSpPr>
+      <p:sp>
+        <p:nvSpPr>
+          <p:cNvPr id="2" name="Title 1"/>
+          <p:cNvSpPr>
+            <a:spLocks noGrp="1"/>
+          </p:cNvSpPr>
+          <p:nvPr>
+            <p:ph type="title"/>
+          </p:nvPr>
+        </p:nvSpPr>
+        <p:spPr>
+          <a:xfrm>
+            <a:off x="2734593" y="2607456"/>
+            <a:ext cx="8911687" cy="1280890"/>
+          </a:xfrm>
+        </p:spPr>
+        <p:txBody>
+          <a:bodyPr>
+            <a:normAutofit/>
+          </a:bodyPr>
+          <a:lstStyle/>
+          <a:p>
+            <a:r>
+              <a:rPr lang="en-AU" sz="7200" b="1" dirty="0" smtClean="0"/>
+              <a:t>Q&amp;A time</a:t>
+            </a:r>
+            <a:endParaRPr lang="en-AU" sz="7200" b="1" dirty="0"/>
+          </a:p>
+        </p:txBody>
+      </p:sp>
+    </p:spTree>
+    <p:extLst>
+      <p:ext uri="{BB962C8B-B14F-4D97-AF65-F5344CB8AC3E}">
+        <p14:creationId xmlns:p14="http://schemas.microsoft.com/office/powerpoint/2010/main" val="2599125631"/>
+      </p:ext>
+    </p:extLst>
+  </p:cSld>
+  <p:clrMapOvr>
+    <a:masterClrMapping/>
+  </p:clrMapOvr>
+</p:sld>
+</file>
+
+<file path=ppt/slides/slide13.xml><?xml version="1.0" encoding="utf-8"?>
 <p:sld xmlns:a="http://schemas.openxmlformats.org/drawingml/2006/main" xmlns:r="http://schemas.openxmlformats.org/officeDocument/2006/relationships" xmlns:p="http://schemas.openxmlformats.org/presentationml/2006/main">
   <p:cSld>
     <p:spTree>
